--- a/project-poster.pptx
+++ b/project-poster.pptx
@@ -114,7 +114,7 @@
   </p:defaultTextStyle>
   <p:extLst>
     <p:ext uri="{EFAFB233-063F-42B5-8137-9DF3F51BA10A}">
-      <p15:sldGuideLst xmlns:p15="http://schemas.microsoft.com/office/powerpoint/2012/main" xmlns="">
+      <p15:sldGuideLst xmlns="" xmlns:p15="http://schemas.microsoft.com/office/powerpoint/2012/main">
         <p15:guide id="1" orient="horz" pos="3318">
           <p15:clr>
             <a:srgbClr val="A4A3A4"/>
@@ -148,7 +148,7 @@
       </p15:sldGuideLst>
     </p:ext>
     <p:ext uri="{2D200454-40CA-4A62-9FC3-DE9A4176ACB9}">
-      <p15:notesGuideLst xmlns:p15="http://schemas.microsoft.com/office/powerpoint/2012/main" xmlns="">
+      <p15:notesGuideLst xmlns="" xmlns:p15="http://schemas.microsoft.com/office/powerpoint/2012/main">
         <p15:guide id="1" orient="horz" pos="2880">
           <p15:clr>
             <a:srgbClr val="A4A3A4"/>
@@ -2442,47 +2442,6 @@
         </a:p>
       </dgm:t>
     </dgm:pt>
-    <dgm:pt modelId="{4691F2C4-0C10-E44A-AAE1-B52EA0354E05}">
-      <dgm:prSet phldrT="[Text]"/>
-      <dgm:spPr>
-        <a:solidFill>
-          <a:schemeClr val="accent3"/>
-        </a:solidFill>
-      </dgm:spPr>
-      <dgm:t>
-        <a:bodyPr/>
-        <a:lstStyle/>
-        <a:p>
-          <a:r>
-            <a:rPr lang="en-US" dirty="0" smtClean="0"/>
-            <a:t>FC6 – RELU6 – DROP6</a:t>
-          </a:r>
-          <a:endParaRPr lang="en-US" dirty="0"/>
-        </a:p>
-      </dgm:t>
-    </dgm:pt>
-    <dgm:pt modelId="{F73D9BD4-8637-B94F-A841-F72E0AE5AA40}" type="parTrans" cxnId="{028633C1-3C44-2747-B6FC-5071287E7E8B}">
-      <dgm:prSet/>
-      <dgm:spPr/>
-      <dgm:t>
-        <a:bodyPr/>
-        <a:lstStyle/>
-        <a:p>
-          <a:endParaRPr lang="en-US"/>
-        </a:p>
-      </dgm:t>
-    </dgm:pt>
-    <dgm:pt modelId="{1239AFE1-AA1E-C640-A717-E00646DB3C6C}" type="sibTrans" cxnId="{028633C1-3C44-2747-B6FC-5071287E7E8B}">
-      <dgm:prSet/>
-      <dgm:spPr/>
-      <dgm:t>
-        <a:bodyPr/>
-        <a:lstStyle/>
-        <a:p>
-          <a:endParaRPr lang="en-US"/>
-        </a:p>
-      </dgm:t>
-    </dgm:pt>
     <dgm:pt modelId="{C505DA22-A757-374D-9DFD-AF091D63BC75}" type="pres">
       <dgm:prSet presAssocID="{F50BA194-5204-9046-8437-3B8642FF4500}" presName="Name0" presStyleCnt="0">
         <dgm:presLayoutVars>
@@ -2505,7 +2464,7 @@
       <dgm:spPr/>
     </dgm:pt>
     <dgm:pt modelId="{1CC3EA48-45F0-0247-9C18-BBA3405645DB}" type="pres">
-      <dgm:prSet presAssocID="{1C65DC96-4CC9-074E-8C41-5E040BFECC16}" presName="parentTextBox" presStyleLbl="node1" presStyleIdx="0" presStyleCnt="6"/>
+      <dgm:prSet presAssocID="{1C65DC96-4CC9-074E-8C41-5E040BFECC16}" presName="parentTextBox" presStyleLbl="node1" presStyleIdx="0" presStyleCnt="5"/>
       <dgm:spPr/>
       <dgm:t>
         <a:bodyPr/>
@@ -2524,26 +2483,7 @@
       <dgm:spPr/>
     </dgm:pt>
     <dgm:pt modelId="{A409EAA3-F737-7C4B-9643-FDDE4C49F067}" type="pres">
-      <dgm:prSet presAssocID="{1748E175-086C-8649-A0FB-F0923C6A46B8}" presName="parentTextArrow" presStyleLbl="node1" presStyleIdx="1" presStyleCnt="6"/>
-      <dgm:spPr/>
-      <dgm:t>
-        <a:bodyPr/>
-        <a:lstStyle/>
-        <a:p>
-          <a:endParaRPr lang="en-US"/>
-        </a:p>
-      </dgm:t>
-    </dgm:pt>
-    <dgm:pt modelId="{22E653F5-BFC7-2146-8304-07E4A86A3114}" type="pres">
-      <dgm:prSet presAssocID="{1239AFE1-AA1E-C640-A717-E00646DB3C6C}" presName="sp" presStyleCnt="0"/>
-      <dgm:spPr/>
-    </dgm:pt>
-    <dgm:pt modelId="{D9200494-9538-2E41-A9D9-4434C1A767D8}" type="pres">
-      <dgm:prSet presAssocID="{4691F2C4-0C10-E44A-AAE1-B52EA0354E05}" presName="arrowAndChildren" presStyleCnt="0"/>
-      <dgm:spPr/>
-    </dgm:pt>
-    <dgm:pt modelId="{7ECE982C-8084-4145-8E34-D4B1BF5E2A33}" type="pres">
-      <dgm:prSet presAssocID="{4691F2C4-0C10-E44A-AAE1-B52EA0354E05}" presName="parentTextArrow" presStyleLbl="node1" presStyleIdx="2" presStyleCnt="6"/>
+      <dgm:prSet presAssocID="{1748E175-086C-8649-A0FB-F0923C6A46B8}" presName="parentTextArrow" presStyleLbl="node1" presStyleIdx="1" presStyleCnt="5"/>
       <dgm:spPr/>
       <dgm:t>
         <a:bodyPr/>
@@ -2562,7 +2502,7 @@
       <dgm:spPr/>
     </dgm:pt>
     <dgm:pt modelId="{B8647FC2-BAE6-F449-80C6-CCED67801F1E}" type="pres">
-      <dgm:prSet presAssocID="{EDBC9CC7-BD77-7F44-8426-1974C616F9AD}" presName="parentTextArrow" presStyleLbl="node1" presStyleIdx="3" presStyleCnt="6"/>
+      <dgm:prSet presAssocID="{EDBC9CC7-BD77-7F44-8426-1974C616F9AD}" presName="parentTextArrow" presStyleLbl="node1" presStyleIdx="2" presStyleCnt="5"/>
       <dgm:spPr/>
       <dgm:t>
         <a:bodyPr/>
@@ -2581,7 +2521,7 @@
       <dgm:spPr/>
     </dgm:pt>
     <dgm:pt modelId="{721F7E33-82FC-F347-94CA-1F708B13E8A1}" type="pres">
-      <dgm:prSet presAssocID="{E2C069D6-A487-474D-AD80-33177FC5463A}" presName="parentTextArrow" presStyleLbl="node1" presStyleIdx="4" presStyleCnt="6"/>
+      <dgm:prSet presAssocID="{E2C069D6-A487-474D-AD80-33177FC5463A}" presName="parentTextArrow" presStyleLbl="node1" presStyleIdx="3" presStyleCnt="5"/>
       <dgm:spPr/>
       <dgm:t>
         <a:bodyPr/>
@@ -2600,7 +2540,7 @@
       <dgm:spPr/>
     </dgm:pt>
     <dgm:pt modelId="{9961FAD3-F344-8946-A7D8-4AEBB4BD0035}" type="pres">
-      <dgm:prSet presAssocID="{275B0C6B-2CAA-7947-B2BF-24163C49513C}" presName="parentTextArrow" presStyleLbl="node1" presStyleIdx="5" presStyleCnt="6"/>
+      <dgm:prSet presAssocID="{275B0C6B-2CAA-7947-B2BF-24163C49513C}" presName="parentTextArrow" presStyleLbl="node1" presStyleIdx="4" presStyleCnt="5"/>
       <dgm:spPr/>
       <dgm:t>
         <a:bodyPr/>
@@ -2615,14 +2555,12 @@
     <dgm:cxn modelId="{74A23830-8513-5E41-A8AA-D43FF7CBCDC1}" srcId="{F50BA194-5204-9046-8437-3B8642FF4500}" destId="{E2C069D6-A487-474D-AD80-33177FC5463A}" srcOrd="1" destOrd="0" parTransId="{31DD8057-7FAC-314C-9300-206C005715C0}" sibTransId="{899B2174-222E-D941-ACF8-F16C09E3C710}"/>
     <dgm:cxn modelId="{B6ADE617-8E5E-0B43-A35D-A64F60F44511}" type="presOf" srcId="{E2C069D6-A487-474D-AD80-33177FC5463A}" destId="{721F7E33-82FC-F347-94CA-1F708B13E8A1}" srcOrd="0" destOrd="0" presId="urn:microsoft.com/office/officeart/2005/8/layout/process4"/>
     <dgm:cxn modelId="{024A13EA-0124-8B4F-8D94-1131260CF0F8}" type="presOf" srcId="{F50BA194-5204-9046-8437-3B8642FF4500}" destId="{C505DA22-A757-374D-9DFD-AF091D63BC75}" srcOrd="0" destOrd="0" presId="urn:microsoft.com/office/officeart/2005/8/layout/process4"/>
-    <dgm:cxn modelId="{76023DA0-9A67-8F44-856B-E98D9B63398E}" type="presOf" srcId="{4691F2C4-0C10-E44A-AAE1-B52EA0354E05}" destId="{7ECE982C-8084-4145-8E34-D4B1BF5E2A33}" srcOrd="0" destOrd="0" presId="urn:microsoft.com/office/officeart/2005/8/layout/process4"/>
-    <dgm:cxn modelId="{028633C1-3C44-2747-B6FC-5071287E7E8B}" srcId="{F50BA194-5204-9046-8437-3B8642FF4500}" destId="{4691F2C4-0C10-E44A-AAE1-B52EA0354E05}" srcOrd="3" destOrd="0" parTransId="{F73D9BD4-8637-B94F-A841-F72E0AE5AA40}" sibTransId="{1239AFE1-AA1E-C640-A717-E00646DB3C6C}"/>
     <dgm:cxn modelId="{D2BE1343-3812-FF49-BB8C-DC476200735E}" srcId="{F50BA194-5204-9046-8437-3B8642FF4500}" destId="{EDBC9CC7-BD77-7F44-8426-1974C616F9AD}" srcOrd="2" destOrd="0" parTransId="{93EAC506-F461-8849-9B89-14C5EC72D9DD}" sibTransId="{F1AD45B9-8679-7144-992D-20453B7C122D}"/>
     <dgm:cxn modelId="{0E61E46B-C583-FE49-9201-79B21A4F869A}" type="presOf" srcId="{EDBC9CC7-BD77-7F44-8426-1974C616F9AD}" destId="{B8647FC2-BAE6-F449-80C6-CCED67801F1E}" srcOrd="0" destOrd="0" presId="urn:microsoft.com/office/officeart/2005/8/layout/process4"/>
     <dgm:cxn modelId="{7B4E16DB-2C5B-0245-A392-B4801AB81514}" type="presOf" srcId="{1C65DC96-4CC9-074E-8C41-5E040BFECC16}" destId="{1CC3EA48-45F0-0247-9C18-BBA3405645DB}" srcOrd="0" destOrd="0" presId="urn:microsoft.com/office/officeart/2005/8/layout/process4"/>
     <dgm:cxn modelId="{850A4314-31BE-C247-96DA-5999F2F85DA2}" type="presOf" srcId="{275B0C6B-2CAA-7947-B2BF-24163C49513C}" destId="{9961FAD3-F344-8946-A7D8-4AEBB4BD0035}" srcOrd="0" destOrd="0" presId="urn:microsoft.com/office/officeart/2005/8/layout/process4"/>
-    <dgm:cxn modelId="{C1E2AB98-354F-DF47-8DDD-A4E17E96955A}" srcId="{F50BA194-5204-9046-8437-3B8642FF4500}" destId="{1748E175-086C-8649-A0FB-F0923C6A46B8}" srcOrd="4" destOrd="0" parTransId="{C84E3FEC-A29E-E144-AB95-F08054FA0A80}" sibTransId="{09544C6B-3D16-4B4C-B1B9-E0F49FB4FEFB}"/>
-    <dgm:cxn modelId="{8A32C831-FCD4-5341-9573-6C7388F12908}" srcId="{F50BA194-5204-9046-8437-3B8642FF4500}" destId="{1C65DC96-4CC9-074E-8C41-5E040BFECC16}" srcOrd="5" destOrd="0" parTransId="{ADE13965-7DDC-6340-97B4-33B52140FAA4}" sibTransId="{373E2011-0ADE-364E-B325-FC5F39DCF1E4}"/>
+    <dgm:cxn modelId="{C1E2AB98-354F-DF47-8DDD-A4E17E96955A}" srcId="{F50BA194-5204-9046-8437-3B8642FF4500}" destId="{1748E175-086C-8649-A0FB-F0923C6A46B8}" srcOrd="3" destOrd="0" parTransId="{C84E3FEC-A29E-E144-AB95-F08054FA0A80}" sibTransId="{09544C6B-3D16-4B4C-B1B9-E0F49FB4FEFB}"/>
+    <dgm:cxn modelId="{8A32C831-FCD4-5341-9573-6C7388F12908}" srcId="{F50BA194-5204-9046-8437-3B8642FF4500}" destId="{1C65DC96-4CC9-074E-8C41-5E040BFECC16}" srcOrd="4" destOrd="0" parTransId="{ADE13965-7DDC-6340-97B4-33B52140FAA4}" sibTransId="{373E2011-0ADE-364E-B325-FC5F39DCF1E4}"/>
     <dgm:cxn modelId="{3102BD17-E497-EF43-8047-814E9380A55D}" srcId="{F50BA194-5204-9046-8437-3B8642FF4500}" destId="{275B0C6B-2CAA-7947-B2BF-24163C49513C}" srcOrd="0" destOrd="0" parTransId="{07248F71-D6B0-F446-A8C7-57AFC8F9A91E}" sibTransId="{A9AFF2B9-4A5F-1648-ADA2-A9A36AA2DE54}"/>
     <dgm:cxn modelId="{CE891716-196E-A34A-9407-F090EAE90CDB}" type="presOf" srcId="{1748E175-086C-8649-A0FB-F0923C6A46B8}" destId="{A409EAA3-F737-7C4B-9643-FDDE4C49F067}" srcOrd="0" destOrd="0" presId="urn:microsoft.com/office/officeart/2005/8/layout/process4"/>
     <dgm:cxn modelId="{18BC427A-F474-B04D-9AE4-94356BABF58C}" type="presParOf" srcId="{C505DA22-A757-374D-9DFD-AF091D63BC75}" destId="{E751E58B-39F6-CF4C-BDA1-4E20D43A5E9B}" srcOrd="0" destOrd="0" presId="urn:microsoft.com/office/officeart/2005/8/layout/process4"/>
@@ -2630,17 +2568,14 @@
     <dgm:cxn modelId="{EAE4362D-B9D9-874E-A7FD-C3C6136E1142}" type="presParOf" srcId="{C505DA22-A757-374D-9DFD-AF091D63BC75}" destId="{2EDD6A32-E2DB-D447-9FE8-AFBD9D8DD4CF}" srcOrd="1" destOrd="0" presId="urn:microsoft.com/office/officeart/2005/8/layout/process4"/>
     <dgm:cxn modelId="{80034673-9542-E549-AD1B-AF9CE88F8221}" type="presParOf" srcId="{C505DA22-A757-374D-9DFD-AF091D63BC75}" destId="{584EA576-B679-6F4F-8DB4-7F07F4EFCF8D}" srcOrd="2" destOrd="0" presId="urn:microsoft.com/office/officeart/2005/8/layout/process4"/>
     <dgm:cxn modelId="{A31B57E9-1E3C-5541-96A9-A6D0EC3A7B4D}" type="presParOf" srcId="{584EA576-B679-6F4F-8DB4-7F07F4EFCF8D}" destId="{A409EAA3-F737-7C4B-9643-FDDE4C49F067}" srcOrd="0" destOrd="0" presId="urn:microsoft.com/office/officeart/2005/8/layout/process4"/>
-    <dgm:cxn modelId="{83F8F1A0-8852-8E4C-A897-AA4A511A014A}" type="presParOf" srcId="{C505DA22-A757-374D-9DFD-AF091D63BC75}" destId="{22E653F5-BFC7-2146-8304-07E4A86A3114}" srcOrd="3" destOrd="0" presId="urn:microsoft.com/office/officeart/2005/8/layout/process4"/>
-    <dgm:cxn modelId="{32752F0B-B05C-B947-8501-1CA8924C3A7B}" type="presParOf" srcId="{C505DA22-A757-374D-9DFD-AF091D63BC75}" destId="{D9200494-9538-2E41-A9D9-4434C1A767D8}" srcOrd="4" destOrd="0" presId="urn:microsoft.com/office/officeart/2005/8/layout/process4"/>
-    <dgm:cxn modelId="{48A1B183-242D-FC44-AB2B-B8553783B9BB}" type="presParOf" srcId="{D9200494-9538-2E41-A9D9-4434C1A767D8}" destId="{7ECE982C-8084-4145-8E34-D4B1BF5E2A33}" srcOrd="0" destOrd="0" presId="urn:microsoft.com/office/officeart/2005/8/layout/process4"/>
-    <dgm:cxn modelId="{639C379B-23E2-454F-8E49-0AA76E4D1E27}" type="presParOf" srcId="{C505DA22-A757-374D-9DFD-AF091D63BC75}" destId="{254BD913-529E-374B-AF06-8C70B73A8948}" srcOrd="5" destOrd="0" presId="urn:microsoft.com/office/officeart/2005/8/layout/process4"/>
-    <dgm:cxn modelId="{58F31D0C-303F-1346-BCA4-F9046D6A817B}" type="presParOf" srcId="{C505DA22-A757-374D-9DFD-AF091D63BC75}" destId="{53FC8C50-68F0-8244-8E1B-AAD758E23987}" srcOrd="6" destOrd="0" presId="urn:microsoft.com/office/officeart/2005/8/layout/process4"/>
+    <dgm:cxn modelId="{639C379B-23E2-454F-8E49-0AA76E4D1E27}" type="presParOf" srcId="{C505DA22-A757-374D-9DFD-AF091D63BC75}" destId="{254BD913-529E-374B-AF06-8C70B73A8948}" srcOrd="3" destOrd="0" presId="urn:microsoft.com/office/officeart/2005/8/layout/process4"/>
+    <dgm:cxn modelId="{58F31D0C-303F-1346-BCA4-F9046D6A817B}" type="presParOf" srcId="{C505DA22-A757-374D-9DFD-AF091D63BC75}" destId="{53FC8C50-68F0-8244-8E1B-AAD758E23987}" srcOrd="4" destOrd="0" presId="urn:microsoft.com/office/officeart/2005/8/layout/process4"/>
     <dgm:cxn modelId="{F73F2D74-3F60-D649-91B0-9188CA0B8D4F}" type="presParOf" srcId="{53FC8C50-68F0-8244-8E1B-AAD758E23987}" destId="{B8647FC2-BAE6-F449-80C6-CCED67801F1E}" srcOrd="0" destOrd="0" presId="urn:microsoft.com/office/officeart/2005/8/layout/process4"/>
-    <dgm:cxn modelId="{8907B645-987A-B943-8426-5EEB06B2D4A9}" type="presParOf" srcId="{C505DA22-A757-374D-9DFD-AF091D63BC75}" destId="{62AB6804-875C-DE4D-B414-67A549898FFE}" srcOrd="7" destOrd="0" presId="urn:microsoft.com/office/officeart/2005/8/layout/process4"/>
-    <dgm:cxn modelId="{D5B4DD05-6DBA-A945-A936-18F0B983616C}" type="presParOf" srcId="{C505DA22-A757-374D-9DFD-AF091D63BC75}" destId="{7818AA5F-DFFA-E141-8DFA-19A61A2AA774}" srcOrd="8" destOrd="0" presId="urn:microsoft.com/office/officeart/2005/8/layout/process4"/>
+    <dgm:cxn modelId="{8907B645-987A-B943-8426-5EEB06B2D4A9}" type="presParOf" srcId="{C505DA22-A757-374D-9DFD-AF091D63BC75}" destId="{62AB6804-875C-DE4D-B414-67A549898FFE}" srcOrd="5" destOrd="0" presId="urn:microsoft.com/office/officeart/2005/8/layout/process4"/>
+    <dgm:cxn modelId="{D5B4DD05-6DBA-A945-A936-18F0B983616C}" type="presParOf" srcId="{C505DA22-A757-374D-9DFD-AF091D63BC75}" destId="{7818AA5F-DFFA-E141-8DFA-19A61A2AA774}" srcOrd="6" destOrd="0" presId="urn:microsoft.com/office/officeart/2005/8/layout/process4"/>
     <dgm:cxn modelId="{14CDE4CC-ACC2-9248-9AA2-4C12A7056E95}" type="presParOf" srcId="{7818AA5F-DFFA-E141-8DFA-19A61A2AA774}" destId="{721F7E33-82FC-F347-94CA-1F708B13E8A1}" srcOrd="0" destOrd="0" presId="urn:microsoft.com/office/officeart/2005/8/layout/process4"/>
-    <dgm:cxn modelId="{460B54E5-94A7-1A46-A2E2-9FED229F3FB4}" type="presParOf" srcId="{C505DA22-A757-374D-9DFD-AF091D63BC75}" destId="{F42F7F7A-2D55-6F4E-9261-BD37DDDFCC2E}" srcOrd="9" destOrd="0" presId="urn:microsoft.com/office/officeart/2005/8/layout/process4"/>
-    <dgm:cxn modelId="{71CD312E-4CE7-1349-A73E-7E9215DE0561}" type="presParOf" srcId="{C505DA22-A757-374D-9DFD-AF091D63BC75}" destId="{7873441B-37FF-C14C-A152-DA5ECBDD1ECB}" srcOrd="10" destOrd="0" presId="urn:microsoft.com/office/officeart/2005/8/layout/process4"/>
+    <dgm:cxn modelId="{460B54E5-94A7-1A46-A2E2-9FED229F3FB4}" type="presParOf" srcId="{C505DA22-A757-374D-9DFD-AF091D63BC75}" destId="{F42F7F7A-2D55-6F4E-9261-BD37DDDFCC2E}" srcOrd="7" destOrd="0" presId="urn:microsoft.com/office/officeart/2005/8/layout/process4"/>
+    <dgm:cxn modelId="{71CD312E-4CE7-1349-A73E-7E9215DE0561}" type="presParOf" srcId="{C505DA22-A757-374D-9DFD-AF091D63BC75}" destId="{7873441B-37FF-C14C-A152-DA5ECBDD1ECB}" srcOrd="8" destOrd="0" presId="urn:microsoft.com/office/officeart/2005/8/layout/process4"/>
     <dgm:cxn modelId="{6D332326-4FF2-9043-A90A-50A7DFCBD77D}" type="presParOf" srcId="{7873441B-37FF-C14C-A152-DA5ECBDD1ECB}" destId="{9961FAD3-F344-8946-A7D8-4AEBB4BD0035}" srcOrd="0" destOrd="0" presId="urn:microsoft.com/office/officeart/2005/8/layout/process4"/>
   </dgm:cxnLst>
   <dgm:bg/>
@@ -3248,8 +3183,8 @@
       </dsp:nvSpPr>
       <dsp:spPr>
         <a:xfrm>
-          <a:off x="0" y="8015754"/>
-          <a:ext cx="4545813" cy="1052063"/>
+          <a:off x="0" y="7789792"/>
+          <a:ext cx="4545813" cy="1277980"/>
         </a:xfrm>
         <a:prstGeom prst="rect">
           <a:avLst/>
@@ -3285,12 +3220,12 @@
         </a:fontRef>
       </dsp:style>
       <dsp:txBody>
-        <a:bodyPr spcFirstLastPara="0" vert="horz" wrap="square" lIns="177800" tIns="177800" rIns="177800" bIns="177800" numCol="1" spcCol="1270" anchor="ctr" anchorCtr="0">
+        <a:bodyPr spcFirstLastPara="0" vert="horz" wrap="square" lIns="213360" tIns="213360" rIns="213360" bIns="213360" numCol="1" spcCol="1270" anchor="ctr" anchorCtr="0">
           <a:noAutofit/>
         </a:bodyPr>
         <a:lstStyle/>
         <a:p>
-          <a:pPr lvl="0" algn="ctr" defTabSz="1111250">
+          <a:pPr lvl="0" algn="ctr" defTabSz="1333500">
             <a:lnSpc>
               <a:spcPct val="90000"/>
             </a:lnSpc>
@@ -3302,15 +3237,15 @@
             </a:spcAft>
           </a:pPr>
           <a:r>
-            <a:rPr lang="en-US" sz="2500" kern="1200" dirty="0" smtClean="0"/>
+            <a:rPr lang="en-US" sz="3000" kern="1200" dirty="0" smtClean="0"/>
             <a:t>FC8</a:t>
           </a:r>
-          <a:endParaRPr lang="en-US" sz="2500" kern="1200" dirty="0"/>
+          <a:endParaRPr lang="en-US" sz="3000" kern="1200" dirty="0"/>
         </a:p>
       </dsp:txBody>
       <dsp:txXfrm>
-        <a:off x="0" y="8015754"/>
-        <a:ext cx="4545813" cy="1052063"/>
+        <a:off x="0" y="7789792"/>
+        <a:ext cx="4545813" cy="1277980"/>
       </dsp:txXfrm>
     </dsp:sp>
     <dsp:sp modelId="{A409EAA3-F737-7C4B-9643-FDDE4C49F067}">
@@ -3320,8 +3255,8 @@
       </dsp:nvSpPr>
       <dsp:spPr>
         <a:xfrm rot="10800000">
-          <a:off x="0" y="6413461"/>
-          <a:ext cx="4545813" cy="1618073"/>
+          <a:off x="0" y="5843428"/>
+          <a:ext cx="4545813" cy="1965533"/>
         </a:xfrm>
         <a:prstGeom prst="upArrowCallout">
           <a:avLst/>
@@ -3354,12 +3289,12 @@
         </a:fontRef>
       </dsp:style>
       <dsp:txBody>
-        <a:bodyPr spcFirstLastPara="0" vert="horz" wrap="square" lIns="177800" tIns="177800" rIns="177800" bIns="177800" numCol="1" spcCol="1270" anchor="ctr" anchorCtr="0">
+        <a:bodyPr spcFirstLastPara="0" vert="horz" wrap="square" lIns="213360" tIns="213360" rIns="213360" bIns="213360" numCol="1" spcCol="1270" anchor="ctr" anchorCtr="0">
           <a:noAutofit/>
         </a:bodyPr>
         <a:lstStyle/>
         <a:p>
-          <a:pPr lvl="0" algn="ctr" defTabSz="1111250">
+          <a:pPr lvl="0" algn="ctr" defTabSz="1333500">
             <a:lnSpc>
               <a:spcPct val="90000"/>
             </a:lnSpc>
@@ -3371,84 +3306,15 @@
             </a:spcAft>
           </a:pPr>
           <a:r>
-            <a:rPr lang="en-US" sz="2500" kern="1200" dirty="0" smtClean="0"/>
+            <a:rPr lang="en-US" sz="3000" kern="1200" dirty="0" smtClean="0"/>
             <a:t>FC7 – RELU7 – DROP7</a:t>
           </a:r>
-          <a:endParaRPr lang="en-US" sz="2500" kern="1200" dirty="0"/>
+          <a:endParaRPr lang="en-US" sz="3000" kern="1200" dirty="0"/>
         </a:p>
       </dsp:txBody>
       <dsp:txXfrm rot="10800000">
-        <a:off x="0" y="6413461"/>
-        <a:ext cx="4545813" cy="1051375"/>
-      </dsp:txXfrm>
-    </dsp:sp>
-    <dsp:sp modelId="{7ECE982C-8084-4145-8E34-D4B1BF5E2A33}">
-      <dsp:nvSpPr>
-        <dsp:cNvPr id="0" name=""/>
-        <dsp:cNvSpPr/>
-      </dsp:nvSpPr>
-      <dsp:spPr>
-        <a:xfrm rot="10800000">
-          <a:off x="0" y="4811169"/>
-          <a:ext cx="4545813" cy="1618073"/>
-        </a:xfrm>
-        <a:prstGeom prst="upArrowCallout">
-          <a:avLst/>
-        </a:prstGeom>
-        <a:solidFill>
-          <a:schemeClr val="accent3"/>
-        </a:solidFill>
-        <a:ln>
-          <a:noFill/>
-        </a:ln>
-        <a:effectLst/>
-        <a:sp3d extrusionH="381000" contourW="38100" prstMaterial="matte">
-          <a:contourClr>
-            <a:schemeClr val="lt1"/>
-          </a:contourClr>
-        </a:sp3d>
-      </dsp:spPr>
-      <dsp:style>
-        <a:lnRef idx="0">
-          <a:scrgbClr r="0" g="0" b="0"/>
-        </a:lnRef>
-        <a:fillRef idx="1">
-          <a:scrgbClr r="0" g="0" b="0"/>
-        </a:fillRef>
-        <a:effectRef idx="0">
-          <a:scrgbClr r="0" g="0" b="0"/>
-        </a:effectRef>
-        <a:fontRef idx="minor">
-          <a:schemeClr val="lt1"/>
-        </a:fontRef>
-      </dsp:style>
-      <dsp:txBody>
-        <a:bodyPr spcFirstLastPara="0" vert="horz" wrap="square" lIns="177800" tIns="177800" rIns="177800" bIns="177800" numCol="1" spcCol="1270" anchor="ctr" anchorCtr="0">
-          <a:noAutofit/>
-        </a:bodyPr>
-        <a:lstStyle/>
-        <a:p>
-          <a:pPr lvl="0" algn="ctr" defTabSz="1111250">
-            <a:lnSpc>
-              <a:spcPct val="90000"/>
-            </a:lnSpc>
-            <a:spcBef>
-              <a:spcPct val="0"/>
-            </a:spcBef>
-            <a:spcAft>
-              <a:spcPct val="35000"/>
-            </a:spcAft>
-          </a:pPr>
-          <a:r>
-            <a:rPr lang="en-US" sz="2500" kern="1200" dirty="0" smtClean="0"/>
-            <a:t>FC6 – RELU6 – DROP6</a:t>
-          </a:r>
-          <a:endParaRPr lang="en-US" sz="2500" kern="1200" dirty="0"/>
-        </a:p>
-      </dsp:txBody>
-      <dsp:txXfrm rot="10800000">
-        <a:off x="0" y="4811169"/>
-        <a:ext cx="4545813" cy="1051375"/>
+        <a:off x="0" y="5843428"/>
+        <a:ext cx="4545813" cy="1277144"/>
       </dsp:txXfrm>
     </dsp:sp>
     <dsp:sp modelId="{B8647FC2-BAE6-F449-80C6-CCED67801F1E}">
@@ -3458,8 +3324,8 @@
       </dsp:nvSpPr>
       <dsp:spPr>
         <a:xfrm rot="10800000">
-          <a:off x="0" y="3208876"/>
-          <a:ext cx="4545813" cy="1618073"/>
+          <a:off x="0" y="3897064"/>
+          <a:ext cx="4545813" cy="1965533"/>
         </a:xfrm>
         <a:prstGeom prst="upArrowCallout">
           <a:avLst/>
@@ -3495,12 +3361,12 @@
         </a:fontRef>
       </dsp:style>
       <dsp:txBody>
-        <a:bodyPr spcFirstLastPara="0" vert="horz" wrap="square" lIns="177800" tIns="177800" rIns="177800" bIns="177800" numCol="1" spcCol="1270" anchor="ctr" anchorCtr="0">
+        <a:bodyPr spcFirstLastPara="0" vert="horz" wrap="square" lIns="213360" tIns="213360" rIns="213360" bIns="213360" numCol="1" spcCol="1270" anchor="ctr" anchorCtr="0">
           <a:noAutofit/>
         </a:bodyPr>
         <a:lstStyle/>
         <a:p>
-          <a:pPr lvl="0" algn="ctr" defTabSz="1111250">
+          <a:pPr lvl="0" algn="ctr" defTabSz="1333500">
             <a:lnSpc>
               <a:spcPct val="90000"/>
             </a:lnSpc>
@@ -3512,14 +3378,14 @@
             </a:spcAft>
           </a:pPr>
           <a:r>
-            <a:rPr lang="en-US" sz="2500" kern="1200" dirty="0" smtClean="0"/>
+            <a:rPr lang="en-US" sz="3000" kern="1200" dirty="0" smtClean="0"/>
             <a:t>CONV3 – RELU3– POOL3</a:t>
           </a:r>
         </a:p>
       </dsp:txBody>
       <dsp:txXfrm rot="10800000">
-        <a:off x="0" y="3208876"/>
-        <a:ext cx="4545813" cy="1051375"/>
+        <a:off x="0" y="3897064"/>
+        <a:ext cx="4545813" cy="1277144"/>
       </dsp:txXfrm>
     </dsp:sp>
     <dsp:sp modelId="{721F7E33-82FC-F347-94CA-1F708B13E8A1}">
@@ -3529,8 +3395,8 @@
       </dsp:nvSpPr>
       <dsp:spPr>
         <a:xfrm rot="10800000">
-          <a:off x="0" y="1606583"/>
-          <a:ext cx="4545813" cy="1618073"/>
+          <a:off x="0" y="1950700"/>
+          <a:ext cx="4545813" cy="1965533"/>
         </a:xfrm>
         <a:prstGeom prst="upArrowCallout">
           <a:avLst/>
@@ -3568,12 +3434,12 @@
         </a:fontRef>
       </dsp:style>
       <dsp:txBody>
-        <a:bodyPr spcFirstLastPara="0" vert="horz" wrap="square" lIns="177800" tIns="177800" rIns="177800" bIns="177800" numCol="1" spcCol="1270" anchor="ctr" anchorCtr="0">
+        <a:bodyPr spcFirstLastPara="0" vert="horz" wrap="square" lIns="213360" tIns="213360" rIns="213360" bIns="213360" numCol="1" spcCol="1270" anchor="ctr" anchorCtr="0">
           <a:noAutofit/>
         </a:bodyPr>
         <a:lstStyle/>
         <a:p>
-          <a:pPr lvl="0" algn="ctr" defTabSz="1111250">
+          <a:pPr lvl="0" algn="ctr" defTabSz="1333500">
             <a:lnSpc>
               <a:spcPct val="90000"/>
             </a:lnSpc>
@@ -3585,15 +3451,15 @@
             </a:spcAft>
           </a:pPr>
           <a:r>
-            <a:rPr lang="en-US" sz="2500" kern="1200" dirty="0" smtClean="0"/>
+            <a:rPr lang="en-US" sz="3000" kern="1200" dirty="0" smtClean="0"/>
             <a:t>CONV2 – RELU2 – POOL2 – NORM2</a:t>
           </a:r>
-          <a:endParaRPr lang="en-US" sz="2500" kern="1200" dirty="0"/>
+          <a:endParaRPr lang="en-US" sz="3000" kern="1200" dirty="0"/>
         </a:p>
       </dsp:txBody>
       <dsp:txXfrm rot="10800000">
-        <a:off x="0" y="1606583"/>
-        <a:ext cx="4545813" cy="1051375"/>
+        <a:off x="0" y="1950700"/>
+        <a:ext cx="4545813" cy="1277144"/>
       </dsp:txXfrm>
     </dsp:sp>
     <dsp:sp modelId="{9961FAD3-F344-8946-A7D8-4AEBB4BD0035}">
@@ -3603,8 +3469,8 @@
       </dsp:nvSpPr>
       <dsp:spPr>
         <a:xfrm rot="10800000">
-          <a:off x="0" y="4291"/>
-          <a:ext cx="4545813" cy="1618073"/>
+          <a:off x="0" y="4336"/>
+          <a:ext cx="4545813" cy="1965533"/>
         </a:xfrm>
         <a:prstGeom prst="upArrowCallout">
           <a:avLst/>
@@ -3642,12 +3508,12 @@
         </a:fontRef>
       </dsp:style>
       <dsp:txBody>
-        <a:bodyPr spcFirstLastPara="0" vert="horz" wrap="square" lIns="177800" tIns="177800" rIns="177800" bIns="177800" numCol="1" spcCol="1270" anchor="ctr" anchorCtr="0">
+        <a:bodyPr spcFirstLastPara="0" vert="horz" wrap="square" lIns="213360" tIns="213360" rIns="213360" bIns="213360" numCol="1" spcCol="1270" anchor="ctr" anchorCtr="0">
           <a:noAutofit/>
         </a:bodyPr>
         <a:lstStyle/>
         <a:p>
-          <a:pPr lvl="0" algn="ctr" defTabSz="1111250">
+          <a:pPr lvl="0" algn="ctr" defTabSz="1333500">
             <a:lnSpc>
               <a:spcPct val="90000"/>
             </a:lnSpc>
@@ -3659,15 +3525,15 @@
             </a:spcAft>
           </a:pPr>
           <a:r>
-            <a:rPr lang="en-US" sz="2500" kern="1200" dirty="0" smtClean="0"/>
+            <a:rPr lang="en-US" sz="3000" kern="1200" dirty="0" smtClean="0"/>
             <a:t>CONV1 – RELU1 – POOL1 – NORM1</a:t>
           </a:r>
-          <a:endParaRPr lang="en-US" sz="2500" kern="1200" dirty="0"/>
+          <a:endParaRPr lang="en-US" sz="3000" kern="1200" dirty="0"/>
         </a:p>
       </dsp:txBody>
       <dsp:txXfrm rot="10800000">
-        <a:off x="0" y="4291"/>
-        <a:ext cx="4545813" cy="1051375"/>
+        <a:off x="0" y="4336"/>
+        <a:ext cx="4545813" cy="1277144"/>
       </dsp:txXfrm>
     </dsp:sp>
   </dsp:spTree>
@@ -6739,7 +6605,7 @@
             <a:fld id="{0158C5BC-9A70-462C-B28D-9600239EAC64}" type="datetimeFigureOut">
               <a:rPr lang="en-US" smtClean="0"/>
               <a:pPr/>
-              <a:t>3/11/15</a:t>
+              <a:t>3/17/15</a:t>
             </a:fld>
             <a:endParaRPr lang="en-US"/>
           </a:p>
@@ -6906,7 +6772,7 @@
             <a:fld id="{E6CC2317-6751-4CD4-9995-8782DD78E936}" type="datetimeFigureOut">
               <a:rPr lang="en-US" smtClean="0"/>
               <a:pPr/>
-              <a:t>3/11/15</a:t>
+              <a:t>3/17/15</a:t>
             </a:fld>
             <a:endParaRPr lang="en-US" dirty="0"/>
           </a:p>
@@ -11937,7 +11803,7 @@
               <a:graphicData uri="http://schemas.openxmlformats.org/presentationml/2006/ole">
                 <mc:AlternateContent xmlns:mc="http://schemas.openxmlformats.org/markup-compatibility/2006">
                   <mc:Choice xmlns:v="urn:schemas-microsoft-com:vml" Requires="v">
-                    <p:oleObj spid="_x0000_s1113" name="Image" r:id="rId8" imgW="1828440" imgH="1117440" progId="Photoshop.Image.13">
+                    <p:oleObj spid="_x0000_s1122" name="Image" r:id="rId8" imgW="1828440" imgH="1117440" progId="Photoshop.Image.13">
                       <p:embed/>
                     </p:oleObj>
                   </mc:Choice>
@@ -11994,7 +11860,7 @@
               <a:graphicData uri="http://schemas.openxmlformats.org/presentationml/2006/ole">
                 <mc:AlternateContent xmlns:mc="http://schemas.openxmlformats.org/markup-compatibility/2006">
                   <mc:Choice xmlns:v="urn:schemas-microsoft-com:vml" Requires="v">
-                    <p:oleObj spid="_x0000_s1114" name="Image" r:id="rId10" imgW="1828440" imgH="1117440" progId="Photoshop.Image.13">
+                    <p:oleObj spid="_x0000_s1123" name="Image" r:id="rId10" imgW="1828440" imgH="1117440" progId="Photoshop.Image.13">
                       <p:embed/>
                     </p:oleObj>
                   </mc:Choice>
@@ -13122,7 +12988,7 @@
             <a:graphicData uri="http://schemas.openxmlformats.org/presentationml/2006/ole">
               <mc:AlternateContent xmlns:mc="http://schemas.openxmlformats.org/markup-compatibility/2006">
                 <mc:Choice xmlns:v="urn:schemas-microsoft-com:vml" Requires="v">
-                  <p:oleObj spid="_x0000_s1115" name="Image" r:id="rId12" imgW="4571280" imgH="1688760" progId="Photoshop.Image.13">
+                  <p:oleObj spid="_x0000_s1124" name="Image" r:id="rId12" imgW="4571280" imgH="1688760" progId="Photoshop.Image.13">
                     <p:embed/>
                   </p:oleObj>
                 </mc:Choice>
@@ -13206,7 +13072,7 @@
             <a:graphicData uri="http://schemas.openxmlformats.org/presentationml/2006/ole">
               <mc:AlternateContent xmlns:mc="http://schemas.openxmlformats.org/markup-compatibility/2006">
                 <mc:Choice xmlns:v="urn:schemas-microsoft-com:vml" Requires="v">
-                  <p:oleObj spid="_x0000_s1116" name="Image" r:id="rId15" imgW="1574280" imgH="1053720" progId="Photoshop.Image.13">
+                  <p:oleObj spid="_x0000_s1125" name="Image" r:id="rId15" imgW="1574280" imgH="1053720" progId="Photoshop.Image.13">
                     <p:embed/>
                   </p:oleObj>
                 </mc:Choice>
@@ -15309,7 +15175,7 @@
             <a:graphicData uri="http://schemas.openxmlformats.org/presentationml/2006/ole">
               <mc:AlternateContent xmlns:mc="http://schemas.openxmlformats.org/markup-compatibility/2006">
                 <mc:Choice xmlns:v="urn:schemas-microsoft-com:vml" Requires="v">
-                  <p:oleObj spid="_x0000_s2133" name="Image" r:id="rId4" imgW="4571280" imgH="1688760" progId="Photoshop.Image.13">
+                  <p:oleObj spid="_x0000_s2142" name="Image" r:id="rId4" imgW="4571280" imgH="1688760" progId="Photoshop.Image.13">
                     <p:embed/>
                   </p:oleObj>
                 </mc:Choice>
@@ -15393,7 +15259,7 @@
             <a:graphicData uri="http://schemas.openxmlformats.org/presentationml/2006/ole">
               <mc:AlternateContent xmlns:mc="http://schemas.openxmlformats.org/markup-compatibility/2006">
                 <mc:Choice xmlns:v="urn:schemas-microsoft-com:vml" Requires="v">
-                  <p:oleObj spid="_x0000_s2134" name="Image" r:id="rId7" imgW="1574280" imgH="1053720" progId="Photoshop.Image.13">
+                  <p:oleObj spid="_x0000_s2143" name="Image" r:id="rId7" imgW="1574280" imgH="1053720" progId="Photoshop.Image.13">
                     <p:embed/>
                   </p:oleObj>
                 </mc:Choice>
@@ -16933,7 +16799,7 @@
               <a:graphicData uri="http://schemas.openxmlformats.org/presentationml/2006/ole">
                 <mc:AlternateContent xmlns:mc="http://schemas.openxmlformats.org/markup-compatibility/2006">
                   <mc:Choice xmlns:v="urn:schemas-microsoft-com:vml" Requires="v">
-                    <p:oleObj spid="_x0000_s2135" name="Image" r:id="rId15" imgW="1828440" imgH="1117440" progId="Photoshop.Image.13">
+                    <p:oleObj spid="_x0000_s2144" name="Image" r:id="rId15" imgW="1828440" imgH="1117440" progId="Photoshop.Image.13">
                       <p:embed/>
                     </p:oleObj>
                   </mc:Choice>
@@ -16990,7 +16856,7 @@
               <a:graphicData uri="http://schemas.openxmlformats.org/presentationml/2006/ole">
                 <mc:AlternateContent xmlns:mc="http://schemas.openxmlformats.org/markup-compatibility/2006">
                   <mc:Choice xmlns:v="urn:schemas-microsoft-com:vml" Requires="v">
-                    <p:oleObj spid="_x0000_s2136" name="Image" r:id="rId17" imgW="1828440" imgH="1117440" progId="Photoshop.Image.13">
+                    <p:oleObj spid="_x0000_s2145" name="Image" r:id="rId17" imgW="1828440" imgH="1117440" progId="Photoshop.Image.13">
                       <p:embed/>
                     </p:oleObj>
                   </mc:Choice>
@@ -18818,7 +18684,7 @@
             <a:graphicData uri="http://schemas.openxmlformats.org/presentationml/2006/ole">
               <mc:AlternateContent xmlns:mc="http://schemas.openxmlformats.org/markup-compatibility/2006">
                 <mc:Choice xmlns:v="urn:schemas-microsoft-com:vml" Requires="v">
-                  <p:oleObj spid="_x0000_s3157" name="Image" r:id="rId4" imgW="4571280" imgH="1688760" progId="Photoshop.Image.13">
+                  <p:oleObj spid="_x0000_s3166" name="Image" r:id="rId4" imgW="4571280" imgH="1688760" progId="Photoshop.Image.13">
                     <p:embed/>
                   </p:oleObj>
                 </mc:Choice>
@@ -18902,7 +18768,7 @@
             <a:graphicData uri="http://schemas.openxmlformats.org/presentationml/2006/ole">
               <mc:AlternateContent xmlns:mc="http://schemas.openxmlformats.org/markup-compatibility/2006">
                 <mc:Choice xmlns:v="urn:schemas-microsoft-com:vml" Requires="v">
-                  <p:oleObj spid="_x0000_s3158" name="Image" r:id="rId7" imgW="1574280" imgH="1053720" progId="Photoshop.Image.13">
+                  <p:oleObj spid="_x0000_s3167" name="Image" r:id="rId7" imgW="1574280" imgH="1053720" progId="Photoshop.Image.13">
                     <p:embed/>
                   </p:oleObj>
                 </mc:Choice>
@@ -20442,7 +20308,7 @@
               <a:graphicData uri="http://schemas.openxmlformats.org/presentationml/2006/ole">
                 <mc:AlternateContent xmlns:mc="http://schemas.openxmlformats.org/markup-compatibility/2006">
                   <mc:Choice xmlns:v="urn:schemas-microsoft-com:vml" Requires="v">
-                    <p:oleObj spid="_x0000_s3159" name="Image" r:id="rId15" imgW="1828440" imgH="1117440" progId="Photoshop.Image.13">
+                    <p:oleObj spid="_x0000_s3168" name="Image" r:id="rId15" imgW="1828440" imgH="1117440" progId="Photoshop.Image.13">
                       <p:embed/>
                     </p:oleObj>
                   </mc:Choice>
@@ -20499,7 +20365,7 @@
               <a:graphicData uri="http://schemas.openxmlformats.org/presentationml/2006/ole">
                 <mc:AlternateContent xmlns:mc="http://schemas.openxmlformats.org/markup-compatibility/2006">
                   <mc:Choice xmlns:v="urn:schemas-microsoft-com:vml" Requires="v">
-                    <p:oleObj spid="_x0000_s3160" name="Image" r:id="rId17" imgW="1828440" imgH="1117440" progId="Photoshop.Image.13">
+                    <p:oleObj spid="_x0000_s3169" name="Image" r:id="rId17" imgW="1828440" imgH="1117440" progId="Photoshop.Image.13">
                       <p:embed/>
                     </p:oleObj>
                   </mc:Choice>
@@ -21793,11 +21659,7 @@
           <a:p>
             <a:r>
               <a:rPr lang="en-US" dirty="0" smtClean="0"/>
-              <a:t>CNN for Task Classification </a:t>
-            </a:r>
-            <a:r>
-              <a:rPr lang="en-US" dirty="0" smtClean="0"/>
-              <a:t>using Computer Screenshots</a:t>
+              <a:t>CNN for Task Classification using Computer Screenshots</a:t>
             </a:r>
             <a:endParaRPr lang="en-US" dirty="0"/>
           </a:p>
@@ -22045,7 +21907,7 @@
           <p:nvPr>
             <p:extLst>
               <p:ext uri="{D42A27DB-BD31-4B8C-83A1-F6EECF244321}">
-                <p14:modId xmlns:p14="http://schemas.microsoft.com/office/powerpoint/2010/main" val="2406869706"/>
+                <p14:modId xmlns:p14="http://schemas.microsoft.com/office/powerpoint/2010/main" val="3538183792"/>
               </p:ext>
             </p:extLst>
           </p:nvPr>
@@ -23110,13 +22972,13 @@
           <p:nvPr>
             <p:extLst>
               <p:ext uri="{D42A27DB-BD31-4B8C-83A1-F6EECF244321}">
-                <p14:modId xmlns:p14="http://schemas.microsoft.com/office/powerpoint/2010/main" val="1346695189"/>
+                <p14:modId xmlns:p14="http://schemas.microsoft.com/office/powerpoint/2010/main" val="3465840728"/>
               </p:ext>
             </p:extLst>
           </p:nvPr>
         </p:nvGraphicFramePr>
         <p:xfrm>
-          <a:off x="27505816" y="6557818"/>
+          <a:off x="27537503" y="7008748"/>
           <a:ext cx="4545813" cy="9072109"/>
         </p:xfrm>
         <a:graphic>
@@ -24759,7 +24621,7 @@
         </p:nvSpPr>
         <p:spPr>
           <a:xfrm>
-            <a:off x="22796336" y="21857575"/>
+            <a:off x="22759011" y="21894265"/>
             <a:ext cx="4148131" cy="3000799"/>
           </a:xfrm>
         </p:spPr>
@@ -24975,8 +24837,8 @@
         </p:blipFill>
         <p:spPr>
           <a:xfrm>
-            <a:off x="16397098" y="23335025"/>
-            <a:ext cx="4077019" cy="2927688"/>
+            <a:off x="16530786" y="23351736"/>
+            <a:ext cx="3689413" cy="2649350"/>
           </a:xfrm>
           <a:prstGeom prst="rect">
             <a:avLst/>
@@ -25035,8 +24897,8 @@
         </p:blipFill>
         <p:spPr>
           <a:xfrm>
-            <a:off x="16465556" y="20447000"/>
-            <a:ext cx="4262860" cy="2664288"/>
+            <a:off x="16482267" y="20647532"/>
+            <a:ext cx="4041983" cy="2526240"/>
           </a:xfrm>
           <a:prstGeom prst="rect">
             <a:avLst/>
@@ -25204,14 +25066,7 @@
                 <a:latin typeface="Calibri"/>
                 <a:cs typeface="Calibri"/>
               </a:rPr>
-              <a:t>The full net does not perform well on the data – at least not within a reasonable number of iterations. </a:t>
-            </a:r>
-            <a:r>
-              <a:rPr lang="en-US" dirty="0" smtClean="0">
-                <a:latin typeface="Calibri"/>
-                <a:cs typeface="Calibri"/>
-              </a:rPr>
-              <a:t>Note: we didn’t retrain any convolutional layers – but it would take 10000’s iterations to see if it actually works, at which point </a:t>
+              <a:t>The full net does not perform well on the data – at least not within a reasonable number of iterations. Note: we didn’t retrain any convolutional layers – but it would take 10000’s iterations to see if it actually works, at which point </a:t>
             </a:r>
             <a:r>
               <a:rPr lang="en-US" dirty="0" err="1" smtClean="0">
@@ -25250,10 +25105,6 @@
               </a:rPr>
               <a:t>The full small model does well however it likely is because for few classes, a fairly simple classifier (just fc8,fc7,fc6) can predict the result well</a:t>
             </a:r>
-            <a:endParaRPr lang="en-US" dirty="0" smtClean="0">
-              <a:latin typeface="Calibri"/>
-              <a:cs typeface="Calibri"/>
-            </a:endParaRPr>
           </a:p>
           <a:p>
             <a:pPr marL="342900" indent="-342900">
